--- a/PRESENTACIÓN/Presentación videojuegos.pptx
+++ b/PRESENTACIÓN/Presentación videojuegos.pptx
@@ -5,8 +5,14 @@
     <p:sldMasterId id="2147483672" r:id="rId2"/>
   </p:sldMasterIdLst>
   <p:sldIdLst>
-    <p:sldId id="256" r:id="rId3"/>
+    <p:sldId id="259" r:id="rId3"/>
     <p:sldId id="257" r:id="rId4"/>
+    <p:sldId id="260" r:id="rId5"/>
+    <p:sldId id="261" r:id="rId6"/>
+    <p:sldId id="264" r:id="rId7"/>
+    <p:sldId id="265" r:id="rId8"/>
+    <p:sldId id="262" r:id="rId9"/>
+    <p:sldId id="263" r:id="rId10"/>
   </p:sldIdLst>
   <p:sldSz cx="9144000" cy="6858000" type="screen4x3"/>
   <p:notesSz cx="6858000" cy="9144000"/>
@@ -124,6 +130,357 @@
 </p:presentation>
 </file>
 
+<file path=ppt/changesInfos/changesInfo1.xml><?xml version="1.0" encoding="utf-8"?>
+<pc:chgInfo xmlns:a="http://schemas.openxmlformats.org/drawingml/2006/main" xmlns:r="http://schemas.openxmlformats.org/officeDocument/2006/relationships" xmlns:ac="http://schemas.microsoft.com/office/drawing/2013/main/command" xmlns:pc="http://schemas.microsoft.com/office/powerpoint/2013/main/command">
+  <pc:docChgLst>
+    <pc:chgData name="pedro alexis elias" userId="7904eee9770f7998" providerId="LiveId" clId="{85BB328F-5A6E-4CD3-B160-05389CD49510}"/>
+    <pc:docChg chg="undo custSel addSld modSld modMainMaster">
+      <pc:chgData name="pedro alexis elias" userId="7904eee9770f7998" providerId="LiveId" clId="{85BB328F-5A6E-4CD3-B160-05389CD49510}" dt="2018-05-10T09:50:45.236" v="190" actId="20577"/>
+      <pc:docMkLst>
+        <pc:docMk/>
+      </pc:docMkLst>
+      <pc:sldChg chg="setBg">
+        <pc:chgData name="pedro alexis elias" userId="7904eee9770f7998" providerId="LiveId" clId="{85BB328F-5A6E-4CD3-B160-05389CD49510}" dt="2018-05-10T09:43:01.041" v="6"/>
+        <pc:sldMkLst>
+          <pc:docMk/>
+          <pc:sldMk cId="911596441" sldId="259"/>
+        </pc:sldMkLst>
+      </pc:sldChg>
+      <pc:sldChg chg="setBg">
+        <pc:chgData name="pedro alexis elias" userId="7904eee9770f7998" providerId="LiveId" clId="{85BB328F-5A6E-4CD3-B160-05389CD49510}" dt="2018-05-10T09:43:01.041" v="6"/>
+        <pc:sldMkLst>
+          <pc:docMk/>
+          <pc:sldMk cId="1917688238" sldId="260"/>
+        </pc:sldMkLst>
+      </pc:sldChg>
+      <pc:sldChg chg="addSp delSp modSp setBg">
+        <pc:chgData name="pedro alexis elias" userId="7904eee9770f7998" providerId="LiveId" clId="{85BB328F-5A6E-4CD3-B160-05389CD49510}" dt="2018-05-10T09:43:01.041" v="6"/>
+        <pc:sldMkLst>
+          <pc:docMk/>
+          <pc:sldMk cId="2430389786" sldId="261"/>
+        </pc:sldMkLst>
+        <pc:picChg chg="del">
+          <ac:chgData name="pedro alexis elias" userId="7904eee9770f7998" providerId="LiveId" clId="{85BB328F-5A6E-4CD3-B160-05389CD49510}" dt="2018-05-10T09:42:05.477" v="2" actId="478"/>
+          <ac:picMkLst>
+            <pc:docMk/>
+            <pc:sldMk cId="2430389786" sldId="261"/>
+            <ac:picMk id="3" creationId="{1A654F42-1DDE-411F-8086-7680CB9A3F89}"/>
+          </ac:picMkLst>
+        </pc:picChg>
+        <pc:picChg chg="add mod">
+          <ac:chgData name="pedro alexis elias" userId="7904eee9770f7998" providerId="LiveId" clId="{85BB328F-5A6E-4CD3-B160-05389CD49510}" dt="2018-05-10T09:42:08.512" v="3" actId="1076"/>
+          <ac:picMkLst>
+            <pc:docMk/>
+            <pc:sldMk cId="2430389786" sldId="261"/>
+            <ac:picMk id="4" creationId="{BAA07ADF-4857-4EE2-92DD-A65EC160CEE6}"/>
+          </ac:picMkLst>
+        </pc:picChg>
+      </pc:sldChg>
+      <pc:sldChg chg="setBg">
+        <pc:chgData name="pedro alexis elias" userId="7904eee9770f7998" providerId="LiveId" clId="{85BB328F-5A6E-4CD3-B160-05389CD49510}" dt="2018-05-10T09:43:01.041" v="6"/>
+        <pc:sldMkLst>
+          <pc:docMk/>
+          <pc:sldMk cId="2303315847" sldId="263"/>
+        </pc:sldMkLst>
+      </pc:sldChg>
+      <pc:sldChg chg="addSp modSp add setBg">
+        <pc:chgData name="pedro alexis elias" userId="7904eee9770f7998" providerId="LiveId" clId="{85BB328F-5A6E-4CD3-B160-05389CD49510}" dt="2018-05-10T09:45:08.487" v="60" actId="255"/>
+        <pc:sldMkLst>
+          <pc:docMk/>
+          <pc:sldMk cId="2749999271" sldId="264"/>
+        </pc:sldMkLst>
+        <pc:spChg chg="add mod">
+          <ac:chgData name="pedro alexis elias" userId="7904eee9770f7998" providerId="LiveId" clId="{85BB328F-5A6E-4CD3-B160-05389CD49510}" dt="2018-05-10T09:45:08.487" v="60" actId="255"/>
+          <ac:spMkLst>
+            <pc:docMk/>
+            <pc:sldMk cId="2749999271" sldId="264"/>
+            <ac:spMk id="4" creationId="{368A3A4C-E7AF-45B5-B41E-6941B367BC3E}"/>
+          </ac:spMkLst>
+        </pc:spChg>
+        <pc:picChg chg="add mod">
+          <ac:chgData name="pedro alexis elias" userId="7904eee9770f7998" providerId="LiveId" clId="{85BB328F-5A6E-4CD3-B160-05389CD49510}" dt="2018-05-10T09:44:43.578" v="58" actId="14100"/>
+          <ac:picMkLst>
+            <pc:docMk/>
+            <pc:sldMk cId="2749999271" sldId="264"/>
+            <ac:picMk id="3" creationId="{34992C21-3E41-4ED1-B27C-3D01C37BD2D6}"/>
+          </ac:picMkLst>
+        </pc:picChg>
+      </pc:sldChg>
+      <pc:sldChg chg="addSp delSp modSp add">
+        <pc:chgData name="pedro alexis elias" userId="7904eee9770f7998" providerId="LiveId" clId="{85BB328F-5A6E-4CD3-B160-05389CD49510}" dt="2018-05-10T09:50:45.236" v="190" actId="20577"/>
+        <pc:sldMkLst>
+          <pc:docMk/>
+          <pc:sldMk cId="390337175" sldId="265"/>
+        </pc:sldMkLst>
+        <pc:spChg chg="mod">
+          <ac:chgData name="pedro alexis elias" userId="7904eee9770f7998" providerId="LiveId" clId="{85BB328F-5A6E-4CD3-B160-05389CD49510}" dt="2018-05-10T09:50:45.236" v="190" actId="20577"/>
+          <ac:spMkLst>
+            <pc:docMk/>
+            <pc:sldMk cId="390337175" sldId="265"/>
+            <ac:spMk id="2" creationId="{F1E15A73-4BE1-447E-885E-F6EF0BBC797F}"/>
+          </ac:spMkLst>
+        </pc:spChg>
+        <pc:spChg chg="del mod">
+          <ac:chgData name="pedro alexis elias" userId="7904eee9770f7998" providerId="LiveId" clId="{85BB328F-5A6E-4CD3-B160-05389CD49510}" dt="2018-05-10T09:45:50.122" v="68" actId="478"/>
+          <ac:spMkLst>
+            <pc:docMk/>
+            <pc:sldMk cId="390337175" sldId="265"/>
+            <ac:spMk id="3" creationId="{A19FF458-954F-4921-AAC6-1E3055C44E1D}"/>
+          </ac:spMkLst>
+        </pc:spChg>
+        <pc:picChg chg="add del mod">
+          <ac:chgData name="pedro alexis elias" userId="7904eee9770f7998" providerId="LiveId" clId="{85BB328F-5A6E-4CD3-B160-05389CD49510}" dt="2018-05-10T09:47:00.113" v="99" actId="478"/>
+          <ac:picMkLst>
+            <pc:docMk/>
+            <pc:sldMk cId="390337175" sldId="265"/>
+            <ac:picMk id="5" creationId="{5ED6C520-697E-4324-8025-BDC90A412FBC}"/>
+          </ac:picMkLst>
+        </pc:picChg>
+        <pc:picChg chg="add del mod">
+          <ac:chgData name="pedro alexis elias" userId="7904eee9770f7998" providerId="LiveId" clId="{85BB328F-5A6E-4CD3-B160-05389CD49510}" dt="2018-05-10T09:47:00.113" v="99" actId="478"/>
+          <ac:picMkLst>
+            <pc:docMk/>
+            <pc:sldMk cId="390337175" sldId="265"/>
+            <ac:picMk id="7" creationId="{6F248D7D-DD73-401E-B47F-B08DD7E2B958}"/>
+          </ac:picMkLst>
+        </pc:picChg>
+        <pc:picChg chg="add del mod">
+          <ac:chgData name="pedro alexis elias" userId="7904eee9770f7998" providerId="LiveId" clId="{85BB328F-5A6E-4CD3-B160-05389CD49510}" dt="2018-05-10T09:47:00.113" v="99" actId="478"/>
+          <ac:picMkLst>
+            <pc:docMk/>
+            <pc:sldMk cId="390337175" sldId="265"/>
+            <ac:picMk id="9" creationId="{C8F83538-7737-4D71-B541-FA2B0E3FECB9}"/>
+          </ac:picMkLst>
+        </pc:picChg>
+        <pc:picChg chg="add del mod">
+          <ac:chgData name="pedro alexis elias" userId="7904eee9770f7998" providerId="LiveId" clId="{85BB328F-5A6E-4CD3-B160-05389CD49510}" dt="2018-05-10T09:47:00.113" v="99" actId="478"/>
+          <ac:picMkLst>
+            <pc:docMk/>
+            <pc:sldMk cId="390337175" sldId="265"/>
+            <ac:picMk id="11" creationId="{AC7160A0-ED1C-4C67-A260-976A8E7FFB07}"/>
+          </ac:picMkLst>
+        </pc:picChg>
+        <pc:picChg chg="add del mod">
+          <ac:chgData name="pedro alexis elias" userId="7904eee9770f7998" providerId="LiveId" clId="{85BB328F-5A6E-4CD3-B160-05389CD49510}" dt="2018-05-10T09:47:00.113" v="99" actId="478"/>
+          <ac:picMkLst>
+            <pc:docMk/>
+            <pc:sldMk cId="390337175" sldId="265"/>
+            <ac:picMk id="13" creationId="{CE29BBEF-DC73-4F0F-B91D-42DD6959B1A3}"/>
+          </ac:picMkLst>
+        </pc:picChg>
+        <pc:picChg chg="add del mod">
+          <ac:chgData name="pedro alexis elias" userId="7904eee9770f7998" providerId="LiveId" clId="{85BB328F-5A6E-4CD3-B160-05389CD49510}" dt="2018-05-10T09:47:00.113" v="99" actId="478"/>
+          <ac:picMkLst>
+            <pc:docMk/>
+            <pc:sldMk cId="390337175" sldId="265"/>
+            <ac:picMk id="15" creationId="{144BA1DF-3344-403F-94B0-1852F9A3D170}"/>
+          </ac:picMkLst>
+        </pc:picChg>
+        <pc:picChg chg="add del mod">
+          <ac:chgData name="pedro alexis elias" userId="7904eee9770f7998" providerId="LiveId" clId="{85BB328F-5A6E-4CD3-B160-05389CD49510}" dt="2018-05-10T09:47:00.113" v="99" actId="478"/>
+          <ac:picMkLst>
+            <pc:docMk/>
+            <pc:sldMk cId="390337175" sldId="265"/>
+            <ac:picMk id="17" creationId="{BC550A86-B1C8-40E0-B7BC-19288D97DD3C}"/>
+          </ac:picMkLst>
+        </pc:picChg>
+        <pc:picChg chg="add del mod">
+          <ac:chgData name="pedro alexis elias" userId="7904eee9770f7998" providerId="LiveId" clId="{85BB328F-5A6E-4CD3-B160-05389CD49510}" dt="2018-05-10T09:47:00.113" v="99" actId="478"/>
+          <ac:picMkLst>
+            <pc:docMk/>
+            <pc:sldMk cId="390337175" sldId="265"/>
+            <ac:picMk id="19" creationId="{C0B451E1-9DBB-43A2-B37D-45C93ACAD563}"/>
+          </ac:picMkLst>
+        </pc:picChg>
+        <pc:picChg chg="add del mod">
+          <ac:chgData name="pedro alexis elias" userId="7904eee9770f7998" providerId="LiveId" clId="{85BB328F-5A6E-4CD3-B160-05389CD49510}" dt="2018-05-10T09:47:00.113" v="99" actId="478"/>
+          <ac:picMkLst>
+            <pc:docMk/>
+            <pc:sldMk cId="390337175" sldId="265"/>
+            <ac:picMk id="21" creationId="{42D956D3-1882-4C3B-81E1-42A6D65C1809}"/>
+          </ac:picMkLst>
+        </pc:picChg>
+        <pc:picChg chg="add mod">
+          <ac:chgData name="pedro alexis elias" userId="7904eee9770f7998" providerId="LiveId" clId="{85BB328F-5A6E-4CD3-B160-05389CD49510}" dt="2018-05-10T09:50:19.959" v="153" actId="1076"/>
+          <ac:picMkLst>
+            <pc:docMk/>
+            <pc:sldMk cId="390337175" sldId="265"/>
+            <ac:picMk id="23" creationId="{71A8B83F-D8E5-4BAD-A116-3670D58D6DA1}"/>
+          </ac:picMkLst>
+        </pc:picChg>
+        <pc:picChg chg="add mod">
+          <ac:chgData name="pedro alexis elias" userId="7904eee9770f7998" providerId="LiveId" clId="{85BB328F-5A6E-4CD3-B160-05389CD49510}" dt="2018-05-10T09:50:16.009" v="151" actId="1076"/>
+          <ac:picMkLst>
+            <pc:docMk/>
+            <pc:sldMk cId="390337175" sldId="265"/>
+            <ac:picMk id="25" creationId="{4DBD9B89-03EE-437C-AE24-1688DB3DC2B7}"/>
+          </ac:picMkLst>
+        </pc:picChg>
+        <pc:picChg chg="add mod">
+          <ac:chgData name="pedro alexis elias" userId="7904eee9770f7998" providerId="LiveId" clId="{85BB328F-5A6E-4CD3-B160-05389CD49510}" dt="2018-05-10T09:50:22.078" v="154" actId="1076"/>
+          <ac:picMkLst>
+            <pc:docMk/>
+            <pc:sldMk cId="390337175" sldId="265"/>
+            <ac:picMk id="27" creationId="{95A93A30-1E5A-40A9-9DD9-7DE4631CAAFA}"/>
+          </ac:picMkLst>
+        </pc:picChg>
+        <pc:picChg chg="add mod">
+          <ac:chgData name="pedro alexis elias" userId="7904eee9770f7998" providerId="LiveId" clId="{85BB328F-5A6E-4CD3-B160-05389CD49510}" dt="2018-05-10T09:50:24.734" v="155" actId="1076"/>
+          <ac:picMkLst>
+            <pc:docMk/>
+            <pc:sldMk cId="390337175" sldId="265"/>
+            <ac:picMk id="29" creationId="{77772017-4366-48B2-A946-9B2075BF7D8F}"/>
+          </ac:picMkLst>
+        </pc:picChg>
+        <pc:picChg chg="add del mod">
+          <ac:chgData name="pedro alexis elias" userId="7904eee9770f7998" providerId="LiveId" clId="{85BB328F-5A6E-4CD3-B160-05389CD49510}" dt="2018-05-10T09:49:32.325" v="144" actId="478"/>
+          <ac:picMkLst>
+            <pc:docMk/>
+            <pc:sldMk cId="390337175" sldId="265"/>
+            <ac:picMk id="31" creationId="{8C1F77B7-6A00-48D9-9E71-6B59758C032A}"/>
+          </ac:picMkLst>
+        </pc:picChg>
+        <pc:picChg chg="add del mod">
+          <ac:chgData name="pedro alexis elias" userId="7904eee9770f7998" providerId="LiveId" clId="{85BB328F-5A6E-4CD3-B160-05389CD49510}" dt="2018-05-10T09:49:30.461" v="143" actId="478"/>
+          <ac:picMkLst>
+            <pc:docMk/>
+            <pc:sldMk cId="390337175" sldId="265"/>
+            <ac:picMk id="33" creationId="{1C13EECE-7159-4B34-822A-4DE2135AD1B0}"/>
+          </ac:picMkLst>
+        </pc:picChg>
+        <pc:picChg chg="add del mod">
+          <ac:chgData name="pedro alexis elias" userId="7904eee9770f7998" providerId="LiveId" clId="{85BB328F-5A6E-4CD3-B160-05389CD49510}" dt="2018-05-10T09:49:28.637" v="141" actId="478"/>
+          <ac:picMkLst>
+            <pc:docMk/>
+            <pc:sldMk cId="390337175" sldId="265"/>
+            <ac:picMk id="35" creationId="{4BFF988F-40E1-4393-87BC-E68F81E49352}"/>
+          </ac:picMkLst>
+        </pc:picChg>
+        <pc:picChg chg="add del mod">
+          <ac:chgData name="pedro alexis elias" userId="7904eee9770f7998" providerId="LiveId" clId="{85BB328F-5A6E-4CD3-B160-05389CD49510}" dt="2018-05-10T09:49:26.904" v="140" actId="478"/>
+          <ac:picMkLst>
+            <pc:docMk/>
+            <pc:sldMk cId="390337175" sldId="265"/>
+            <ac:picMk id="37" creationId="{5CD08AF1-AD2E-4DA5-B674-19BE21CB0AFE}"/>
+          </ac:picMkLst>
+        </pc:picChg>
+        <pc:picChg chg="add del mod">
+          <ac:chgData name="pedro alexis elias" userId="7904eee9770f7998" providerId="LiveId" clId="{85BB328F-5A6E-4CD3-B160-05389CD49510}" dt="2018-05-10T09:49:25.396" v="139" actId="478"/>
+          <ac:picMkLst>
+            <pc:docMk/>
+            <pc:sldMk cId="390337175" sldId="265"/>
+            <ac:picMk id="39" creationId="{3AAAC560-4FC9-45BB-9E67-05854303D36C}"/>
+          </ac:picMkLst>
+        </pc:picChg>
+        <pc:picChg chg="add del mod">
+          <ac:chgData name="pedro alexis elias" userId="7904eee9770f7998" providerId="LiveId" clId="{85BB328F-5A6E-4CD3-B160-05389CD49510}" dt="2018-05-10T09:49:22.751" v="138" actId="478"/>
+          <ac:picMkLst>
+            <pc:docMk/>
+            <pc:sldMk cId="390337175" sldId="265"/>
+            <ac:picMk id="41" creationId="{D03FFC11-A350-411D-B66A-07197748559F}"/>
+          </ac:picMkLst>
+        </pc:picChg>
+        <pc:picChg chg="add del mod">
+          <ac:chgData name="pedro alexis elias" userId="7904eee9770f7998" providerId="LiveId" clId="{85BB328F-5A6E-4CD3-B160-05389CD49510}" dt="2018-05-10T09:49:13.407" v="131" actId="478"/>
+          <ac:picMkLst>
+            <pc:docMk/>
+            <pc:sldMk cId="390337175" sldId="265"/>
+            <ac:picMk id="43" creationId="{5F1FCE1C-7A28-4B27-AD62-A1321D461EE7}"/>
+          </ac:picMkLst>
+        </pc:picChg>
+        <pc:picChg chg="add del mod">
+          <ac:chgData name="pedro alexis elias" userId="7904eee9770f7998" providerId="LiveId" clId="{85BB328F-5A6E-4CD3-B160-05389CD49510}" dt="2018-05-10T09:50:08.065" v="148" actId="478"/>
+          <ac:picMkLst>
+            <pc:docMk/>
+            <pc:sldMk cId="390337175" sldId="265"/>
+            <ac:picMk id="45" creationId="{4980F167-11EE-4BB1-9807-3BFD74BCB346}"/>
+          </ac:picMkLst>
+        </pc:picChg>
+        <pc:picChg chg="add del mod">
+          <ac:chgData name="pedro alexis elias" userId="7904eee9770f7998" providerId="LiveId" clId="{85BB328F-5A6E-4CD3-B160-05389CD49510}" dt="2018-05-10T09:50:08.065" v="148" actId="478"/>
+          <ac:picMkLst>
+            <pc:docMk/>
+            <pc:sldMk cId="390337175" sldId="265"/>
+            <ac:picMk id="47" creationId="{371B2706-22A4-428F-8E9C-FE6437921F02}"/>
+          </ac:picMkLst>
+        </pc:picChg>
+        <pc:picChg chg="add del mod">
+          <ac:chgData name="pedro alexis elias" userId="7904eee9770f7998" providerId="LiveId" clId="{85BB328F-5A6E-4CD3-B160-05389CD49510}" dt="2018-05-10T09:50:08.065" v="148" actId="478"/>
+          <ac:picMkLst>
+            <pc:docMk/>
+            <pc:sldMk cId="390337175" sldId="265"/>
+            <ac:picMk id="49" creationId="{736F9C0F-0DCD-4FFF-A958-E95467E3A6E8}"/>
+          </ac:picMkLst>
+        </pc:picChg>
+        <pc:picChg chg="add del mod">
+          <ac:chgData name="pedro alexis elias" userId="7904eee9770f7998" providerId="LiveId" clId="{85BB328F-5A6E-4CD3-B160-05389CD49510}" dt="2018-05-10T09:50:08.065" v="148" actId="478"/>
+          <ac:picMkLst>
+            <pc:docMk/>
+            <pc:sldMk cId="390337175" sldId="265"/>
+            <ac:picMk id="51" creationId="{66F8F93F-5D41-4E8E-838A-EDF36FFCDDEF}"/>
+          </ac:picMkLst>
+        </pc:picChg>
+        <pc:picChg chg="add del mod">
+          <ac:chgData name="pedro alexis elias" userId="7904eee9770f7998" providerId="LiveId" clId="{85BB328F-5A6E-4CD3-B160-05389CD49510}" dt="2018-05-10T09:50:08.065" v="148" actId="478"/>
+          <ac:picMkLst>
+            <pc:docMk/>
+            <pc:sldMk cId="390337175" sldId="265"/>
+            <ac:picMk id="53" creationId="{F2675B73-C0BB-4DF6-9489-F0860BA5D002}"/>
+          </ac:picMkLst>
+        </pc:picChg>
+        <pc:picChg chg="add del mod">
+          <ac:chgData name="pedro alexis elias" userId="7904eee9770f7998" providerId="LiveId" clId="{85BB328F-5A6E-4CD3-B160-05389CD49510}" dt="2018-05-10T09:50:08.065" v="148" actId="478"/>
+          <ac:picMkLst>
+            <pc:docMk/>
+            <pc:sldMk cId="390337175" sldId="265"/>
+            <ac:picMk id="55" creationId="{26487DCB-7390-4CB5-9BA5-293AE4385436}"/>
+          </ac:picMkLst>
+        </pc:picChg>
+        <pc:picChg chg="add del mod">
+          <ac:chgData name="pedro alexis elias" userId="7904eee9770f7998" providerId="LiveId" clId="{85BB328F-5A6E-4CD3-B160-05389CD49510}" dt="2018-05-10T09:50:08.065" v="148" actId="478"/>
+          <ac:picMkLst>
+            <pc:docMk/>
+            <pc:sldMk cId="390337175" sldId="265"/>
+            <ac:picMk id="57" creationId="{E8A4A1E3-17CB-41BD-84B4-735A5C428298}"/>
+          </ac:picMkLst>
+        </pc:picChg>
+      </pc:sldChg>
+      <pc:sldMasterChg chg="setBg modSldLayout">
+        <pc:chgData name="pedro alexis elias" userId="7904eee9770f7998" providerId="LiveId" clId="{85BB328F-5A6E-4CD3-B160-05389CD49510}" dt="2018-05-10T09:43:01.041" v="6"/>
+        <pc:sldMasterMkLst>
+          <pc:docMk/>
+          <pc:sldMasterMk cId="0" sldId="2147483672"/>
+        </pc:sldMasterMkLst>
+        <pc:sldLayoutChg chg="setBg">
+          <pc:chgData name="pedro alexis elias" userId="7904eee9770f7998" providerId="LiveId" clId="{85BB328F-5A6E-4CD3-B160-05389CD49510}" dt="2018-05-10T09:43:01.041" v="6"/>
+          <pc:sldLayoutMkLst>
+            <pc:docMk/>
+            <pc:sldMasterMk cId="0" sldId="2147483672"/>
+            <pc:sldLayoutMk cId="0" sldId="2147483673"/>
+          </pc:sldLayoutMkLst>
+        </pc:sldLayoutChg>
+        <pc:sldLayoutChg chg="setBg">
+          <pc:chgData name="pedro alexis elias" userId="7904eee9770f7998" providerId="LiveId" clId="{85BB328F-5A6E-4CD3-B160-05389CD49510}" dt="2018-05-10T09:43:01.041" v="6"/>
+          <pc:sldLayoutMkLst>
+            <pc:docMk/>
+            <pc:sldMasterMk cId="0" sldId="2147483672"/>
+            <pc:sldLayoutMk cId="0" sldId="2147483675"/>
+          </pc:sldLayoutMkLst>
+        </pc:sldLayoutChg>
+        <pc:sldLayoutChg chg="setBg">
+          <pc:chgData name="pedro alexis elias" userId="7904eee9770f7998" providerId="LiveId" clId="{85BB328F-5A6E-4CD3-B160-05389CD49510}" dt="2018-05-10T09:43:01.041" v="6"/>
+          <pc:sldLayoutMkLst>
+            <pc:docMk/>
+            <pc:sldMasterMk cId="0" sldId="2147483672"/>
+            <pc:sldLayoutMk cId="0" sldId="2147483681"/>
+          </pc:sldLayoutMkLst>
+        </pc:sldLayoutChg>
+      </pc:sldMasterChg>
+    </pc:docChg>
+  </pc:docChgLst>
+</pc:chgInfo>
+</file>
+
 <file path=ppt/slideLayouts/slideLayout1.xml><?xml version="1.0" encoding="utf-8"?>
 <p:sldLayout xmlns:a="http://schemas.openxmlformats.org/drawingml/2006/main" xmlns:r="http://schemas.openxmlformats.org/officeDocument/2006/relationships" xmlns:p="http://schemas.openxmlformats.org/presentationml/2006/main" showMasterSp="0" type="title" preserve="1">
   <p:cSld name="Diapositiva de título">
@@ -370,7 +727,7 @@
           <a:p>
             <a:fld id="{6152D88B-6D07-43B7-8485-DEA5F345B471}" type="datetimeFigureOut">
               <a:rPr lang="es-ES" smtClean="0"/>
-              <a:t>09/05/2018</a:t>
+              <a:t>10/05/2018</a:t>
             </a:fld>
             <a:endParaRPr lang="es-ES"/>
           </a:p>
@@ -587,7 +944,7 @@
           <a:p>
             <a:fld id="{6152D88B-6D07-43B7-8485-DEA5F345B471}" type="datetimeFigureOut">
               <a:rPr lang="es-ES" smtClean="0"/>
-              <a:t>09/05/2018</a:t>
+              <a:t>10/05/2018</a:t>
             </a:fld>
             <a:endParaRPr lang="es-ES"/>
           </a:p>
@@ -859,7 +1216,7 @@
           <a:p>
             <a:fld id="{6152D88B-6D07-43B7-8485-DEA5F345B471}" type="datetimeFigureOut">
               <a:rPr lang="es-ES" smtClean="0"/>
-              <a:t>09/05/2018</a:t>
+              <a:t>10/05/2018</a:t>
             </a:fld>
             <a:endParaRPr lang="es-ES"/>
           </a:p>
@@ -1034,7 +1391,7 @@
           <a:p>
             <a:fld id="{6152D88B-6D07-43B7-8485-DEA5F345B471}" type="datetimeFigureOut">
               <a:rPr lang="es-ES" smtClean="0"/>
-              <a:t>09/05/2018</a:t>
+              <a:t>10/05/2018</a:t>
             </a:fld>
             <a:endParaRPr lang="es-ES"/>
           </a:p>
@@ -1388,7 +1745,7 @@
           <a:p>
             <a:fld id="{6152D88B-6D07-43B7-8485-DEA5F345B471}" type="datetimeFigureOut">
               <a:rPr lang="es-ES" smtClean="0"/>
-              <a:t>09/05/2018</a:t>
+              <a:t>10/05/2018</a:t>
             </a:fld>
             <a:endParaRPr lang="es-ES"/>
           </a:p>
@@ -1673,7 +2030,7 @@
           <a:p>
             <a:fld id="{6152D88B-6D07-43B7-8485-DEA5F345B471}" type="datetimeFigureOut">
               <a:rPr lang="es-ES" smtClean="0"/>
-              <a:t>09/05/2018</a:t>
+              <a:t>10/05/2018</a:t>
             </a:fld>
             <a:endParaRPr lang="es-ES"/>
           </a:p>
@@ -2095,7 +2452,7 @@
           <a:p>
             <a:fld id="{6152D88B-6D07-43B7-8485-DEA5F345B471}" type="datetimeFigureOut">
               <a:rPr lang="es-ES" smtClean="0"/>
-              <a:t>09/05/2018</a:t>
+              <a:t>10/05/2018</a:t>
             </a:fld>
             <a:endParaRPr lang="es-ES"/>
           </a:p>
@@ -2208,7 +2565,7 @@
           <a:p>
             <a:fld id="{6152D88B-6D07-43B7-8485-DEA5F345B471}" type="datetimeFigureOut">
               <a:rPr lang="es-ES" smtClean="0"/>
-              <a:t>09/05/2018</a:t>
+              <a:t>10/05/2018</a:t>
             </a:fld>
             <a:endParaRPr lang="es-ES"/>
           </a:p>
@@ -2298,7 +2655,7 @@
           <a:p>
             <a:fld id="{6152D88B-6D07-43B7-8485-DEA5F345B471}" type="datetimeFigureOut">
               <a:rPr lang="es-ES" smtClean="0"/>
-              <a:t>09/05/2018</a:t>
+              <a:t>10/05/2018</a:t>
             </a:fld>
             <a:endParaRPr lang="es-ES"/>
           </a:p>
@@ -2576,7 +2933,7 @@
           <a:p>
             <a:fld id="{6152D88B-6D07-43B7-8485-DEA5F345B471}" type="datetimeFigureOut">
               <a:rPr lang="es-ES" smtClean="0"/>
-              <a:t>09/05/2018</a:t>
+              <a:t>10/05/2018</a:t>
             </a:fld>
             <a:endParaRPr lang="es-ES"/>
           </a:p>
@@ -2938,7 +3295,7 @@
           <a:p>
             <a:fld id="{6152D88B-6D07-43B7-8485-DEA5F345B471}" type="datetimeFigureOut">
               <a:rPr lang="es-ES" smtClean="0"/>
-              <a:t>09/05/2018</a:t>
+              <a:t>10/05/2018</a:t>
             </a:fld>
             <a:endParaRPr lang="es-ES"/>
           </a:p>
@@ -3363,7 +3720,7 @@
           <a:p>
             <a:fld id="{6152D88B-6D07-43B7-8485-DEA5F345B471}" type="datetimeFigureOut">
               <a:rPr lang="es-ES" smtClean="0"/>
-              <a:t>09/05/2018</a:t>
+              <a:t>10/05/2018</a:t>
             </a:fld>
             <a:endParaRPr lang="es-ES"/>
           </a:p>
@@ -3755,6 +4112,14 @@
 <file path=ppt/slides/slide1.xml><?xml version="1.0" encoding="utf-8"?>
 <p:sld xmlns:a="http://schemas.openxmlformats.org/drawingml/2006/main" xmlns:r="http://schemas.openxmlformats.org/officeDocument/2006/relationships" xmlns:p="http://schemas.openxmlformats.org/presentationml/2006/main">
   <p:cSld>
+    <p:bg>
+      <p:bgPr>
+        <a:solidFill>
+          <a:schemeClr val="tx1"/>
+        </a:solidFill>
+        <a:effectLst/>
+      </p:bgPr>
+    </p:bg>
     <p:spTree>
       <p:nvGrpSpPr>
         <p:cNvPr id="1" name=""/>
@@ -3769,50 +4134,12 @@
           <a:chExt cx="0" cy="0"/>
         </a:xfrm>
       </p:grpSpPr>
-      <p:sp>
-        <p:nvSpPr>
-          <p:cNvPr id="2" name="1 Título"/>
-          <p:cNvSpPr>
-            <a:spLocks noGrp="1"/>
-          </p:cNvSpPr>
-          <p:nvPr>
-            <p:ph type="ctrTitle"/>
-          </p:nvPr>
-        </p:nvSpPr>
-        <p:spPr/>
-        <p:txBody>
-          <a:bodyPr/>
-          <a:lstStyle/>
-          <a:p>
-            <a:endParaRPr lang="es-ES"/>
-          </a:p>
-        </p:txBody>
-      </p:sp>
-      <p:sp>
-        <p:nvSpPr>
-          <p:cNvPr id="3" name="2 Subtítulo"/>
-          <p:cNvSpPr>
-            <a:spLocks noGrp="1"/>
-          </p:cNvSpPr>
-          <p:nvPr>
-            <p:ph type="subTitle" idx="1"/>
-          </p:nvPr>
-        </p:nvSpPr>
-        <p:spPr/>
-        <p:txBody>
-          <a:bodyPr/>
-          <a:lstStyle/>
-          <a:p>
-            <a:endParaRPr lang="es-ES"/>
-          </a:p>
-        </p:txBody>
-      </p:sp>
       <p:pic>
         <p:nvPicPr>
-          <p:cNvPr id="7" name="Imagen 6">
+          <p:cNvPr id="3" name="Imagen 2">
             <a:extLst>
               <a:ext uri="{FF2B5EF4-FFF2-40B4-BE49-F238E27FC236}">
-                <a16:creationId xmlns:a16="http://schemas.microsoft.com/office/drawing/2014/main" id="{5E29EF87-D259-415A-BEDF-1A99BDF4C536}"/>
+                <a16:creationId xmlns:a16="http://schemas.microsoft.com/office/drawing/2014/main" id="{60A24944-DB11-43A4-B2C1-830C4EC3E519}"/>
               </a:ext>
             </a:extLst>
           </p:cNvPr>
@@ -3835,51 +4162,20 @@
         </p:blipFill>
         <p:spPr>
           <a:xfrm>
-            <a:off x="0" y="6858"/>
-            <a:ext cx="9134922" cy="5138394"/>
+            <a:off x="0" y="857250"/>
+            <a:ext cx="9144000" cy="5143500"/>
           </a:xfrm>
           <a:prstGeom prst="rect">
             <a:avLst/>
           </a:prstGeom>
         </p:spPr>
       </p:pic>
-      <p:pic>
-        <p:nvPicPr>
-          <p:cNvPr id="11" name="Imagen 10">
-            <a:extLst>
-              <a:ext uri="{FF2B5EF4-FFF2-40B4-BE49-F238E27FC236}">
-                <a16:creationId xmlns:a16="http://schemas.microsoft.com/office/drawing/2014/main" id="{D46DD332-C28D-4197-B288-202D69040C23}"/>
-              </a:ext>
-            </a:extLst>
-          </p:cNvPr>
-          <p:cNvPicPr>
-            <a:picLocks noChangeAspect="1"/>
-          </p:cNvPicPr>
-          <p:nvPr/>
-        </p:nvPicPr>
-        <p:blipFill>
-          <a:blip r:embed="rId3">
-            <a:extLst>
-              <a:ext uri="{28A0092B-C50C-407E-A947-70E740481C1C}">
-                <a14:useLocalDpi xmlns:a14="http://schemas.microsoft.com/office/drawing/2010/main" val="0"/>
-              </a:ext>
-            </a:extLst>
-          </a:blip>
-          <a:stretch>
-            <a:fillRect/>
-          </a:stretch>
-        </p:blipFill>
-        <p:spPr>
-          <a:xfrm>
-            <a:off x="-6986" y="5145252"/>
-            <a:ext cx="1663492" cy="1765079"/>
-          </a:xfrm>
-          <a:prstGeom prst="rect">
-            <a:avLst/>
-          </a:prstGeom>
-        </p:spPr>
-      </p:pic>
     </p:spTree>
+    <p:extLst>
+      <p:ext uri="{BB962C8B-B14F-4D97-AF65-F5344CB8AC3E}">
+        <p14:creationId xmlns:p14="http://schemas.microsoft.com/office/powerpoint/2010/main" val="911596441"/>
+      </p:ext>
+    </p:extLst>
   </p:cSld>
   <p:clrMapOvr>
     <a:masterClrMapping/>
@@ -4007,6 +4303,764 @@
     <p:extLst>
       <p:ext uri="{BB962C8B-B14F-4D97-AF65-F5344CB8AC3E}">
         <p14:creationId xmlns:p14="http://schemas.microsoft.com/office/powerpoint/2010/main" val="3605092446"/>
+      </p:ext>
+    </p:extLst>
+  </p:cSld>
+  <p:clrMapOvr>
+    <a:masterClrMapping/>
+  </p:clrMapOvr>
+</p:sld>
+</file>
+
+<file path=ppt/slides/slide3.xml><?xml version="1.0" encoding="utf-8"?>
+<p:sld xmlns:a="http://schemas.openxmlformats.org/drawingml/2006/main" xmlns:r="http://schemas.openxmlformats.org/officeDocument/2006/relationships" xmlns:p="http://schemas.openxmlformats.org/presentationml/2006/main">
+  <p:cSld>
+    <p:bg>
+      <p:bgPr>
+        <a:solidFill>
+          <a:schemeClr val="tx1"/>
+        </a:solidFill>
+        <a:effectLst/>
+      </p:bgPr>
+    </p:bg>
+    <p:spTree>
+      <p:nvGrpSpPr>
+        <p:cNvPr id="1" name=""/>
+        <p:cNvGrpSpPr/>
+        <p:nvPr/>
+      </p:nvGrpSpPr>
+      <p:grpSpPr>
+        <a:xfrm>
+          <a:off x="0" y="0"/>
+          <a:ext cx="0" cy="0"/>
+          <a:chOff x="0" y="0"/>
+          <a:chExt cx="0" cy="0"/>
+        </a:xfrm>
+      </p:grpSpPr>
+      <p:pic>
+        <p:nvPicPr>
+          <p:cNvPr id="9" name="Imagen 8">
+            <a:extLst>
+              <a:ext uri="{FF2B5EF4-FFF2-40B4-BE49-F238E27FC236}">
+                <a16:creationId xmlns:a16="http://schemas.microsoft.com/office/drawing/2014/main" id="{F17FAF75-D3B1-4159-B51F-8DFDF2D6814F}"/>
+              </a:ext>
+            </a:extLst>
+          </p:cNvPr>
+          <p:cNvPicPr>
+            <a:picLocks noChangeAspect="1"/>
+          </p:cNvPicPr>
+          <p:nvPr/>
+        </p:nvPicPr>
+        <p:blipFill>
+          <a:blip r:embed="rId2">
+            <a:extLst>
+              <a:ext uri="{28A0092B-C50C-407E-A947-70E740481C1C}">
+                <a14:useLocalDpi xmlns:a14="http://schemas.microsoft.com/office/drawing/2010/main" val="0"/>
+              </a:ext>
+            </a:extLst>
+          </a:blip>
+          <a:stretch>
+            <a:fillRect/>
+          </a:stretch>
+        </p:blipFill>
+        <p:spPr>
+          <a:xfrm>
+            <a:off x="755576" y="2629000"/>
+            <a:ext cx="1447619" cy="1600000"/>
+          </a:xfrm>
+          <a:prstGeom prst="rect">
+            <a:avLst/>
+          </a:prstGeom>
+        </p:spPr>
+      </p:pic>
+      <p:sp>
+        <p:nvSpPr>
+          <p:cNvPr id="10" name="Título 1">
+            <a:extLst>
+              <a:ext uri="{FF2B5EF4-FFF2-40B4-BE49-F238E27FC236}">
+                <a16:creationId xmlns:a16="http://schemas.microsoft.com/office/drawing/2014/main" id="{170F479A-7821-4A85-B390-A291B64AE983}"/>
+              </a:ext>
+            </a:extLst>
+          </p:cNvPr>
+          <p:cNvSpPr txBox="1">
+            <a:spLocks/>
+          </p:cNvSpPr>
+          <p:nvPr/>
+        </p:nvSpPr>
+        <p:spPr>
+          <a:xfrm>
+            <a:off x="2339752" y="2708920"/>
+            <a:ext cx="8013192" cy="864096"/>
+          </a:xfrm>
+          <a:prstGeom prst="rect">
+            <a:avLst/>
+          </a:prstGeom>
+        </p:spPr>
+        <p:txBody>
+          <a:bodyPr/>
+          <a:lstStyle>
+            <a:lvl1pPr algn="l" rtl="0" eaLnBrk="1" latinLnBrk="0" hangingPunct="1">
+              <a:spcBef>
+                <a:spcPct val="0"/>
+              </a:spcBef>
+              <a:buNone/>
+              <a:defRPr kumimoji="0" sz="4500" b="1" kern="1200">
+                <a:solidFill>
+                  <a:schemeClr val="accent1">
+                    <a:satMod val="150000"/>
+                  </a:schemeClr>
+                </a:solidFill>
+                <a:effectLst/>
+                <a:latin typeface="+mj-lt"/>
+                <a:ea typeface="+mj-ea"/>
+                <a:cs typeface="+mj-cs"/>
+              </a:defRPr>
+            </a:lvl1pPr>
+            <a:extLst/>
+          </a:lstStyle>
+          <a:p>
+            <a:r>
+              <a:rPr lang="es-ES" dirty="0"/>
+              <a:t>¿CUÁL ES EL CAMPO DE </a:t>
+            </a:r>
+          </a:p>
+          <a:p>
+            <a:r>
+              <a:rPr lang="es-ES" dirty="0"/>
+              <a:t>BATALLA?</a:t>
+            </a:r>
+          </a:p>
+        </p:txBody>
+      </p:sp>
+    </p:spTree>
+    <p:extLst>
+      <p:ext uri="{BB962C8B-B14F-4D97-AF65-F5344CB8AC3E}">
+        <p14:creationId xmlns:p14="http://schemas.microsoft.com/office/powerpoint/2010/main" val="1917688238"/>
+      </p:ext>
+    </p:extLst>
+  </p:cSld>
+  <p:clrMapOvr>
+    <a:masterClrMapping/>
+  </p:clrMapOvr>
+</p:sld>
+</file>
+
+<file path=ppt/slides/slide4.xml><?xml version="1.0" encoding="utf-8"?>
+<p:sld xmlns:a="http://schemas.openxmlformats.org/drawingml/2006/main" xmlns:r="http://schemas.openxmlformats.org/officeDocument/2006/relationships" xmlns:p="http://schemas.openxmlformats.org/presentationml/2006/main">
+  <p:cSld>
+    <p:bg>
+      <p:bgPr>
+        <a:solidFill>
+          <a:schemeClr val="tx1"/>
+        </a:solidFill>
+        <a:effectLst/>
+      </p:bgPr>
+    </p:bg>
+    <p:spTree>
+      <p:nvGrpSpPr>
+        <p:cNvPr id="1" name=""/>
+        <p:cNvGrpSpPr/>
+        <p:nvPr/>
+      </p:nvGrpSpPr>
+      <p:grpSpPr>
+        <a:xfrm>
+          <a:off x="0" y="0"/>
+          <a:ext cx="0" cy="0"/>
+          <a:chOff x="0" y="0"/>
+          <a:chExt cx="0" cy="0"/>
+        </a:xfrm>
+      </p:grpSpPr>
+      <p:pic>
+        <p:nvPicPr>
+          <p:cNvPr id="4" name="Imagen 3">
+            <a:extLst>
+              <a:ext uri="{FF2B5EF4-FFF2-40B4-BE49-F238E27FC236}">
+                <a16:creationId xmlns:a16="http://schemas.microsoft.com/office/drawing/2014/main" id="{BAA07ADF-4857-4EE2-92DD-A65EC160CEE6}"/>
+              </a:ext>
+            </a:extLst>
+          </p:cNvPr>
+          <p:cNvPicPr>
+            <a:picLocks noChangeAspect="1"/>
+          </p:cNvPicPr>
+          <p:nvPr/>
+        </p:nvPicPr>
+        <p:blipFill>
+          <a:blip r:embed="rId2">
+            <a:extLst>
+              <a:ext uri="{28A0092B-C50C-407E-A947-70E740481C1C}">
+                <a14:useLocalDpi xmlns:a14="http://schemas.microsoft.com/office/drawing/2010/main" val="0"/>
+              </a:ext>
+            </a:extLst>
+          </a:blip>
+          <a:stretch>
+            <a:fillRect/>
+          </a:stretch>
+        </p:blipFill>
+        <p:spPr>
+          <a:xfrm>
+            <a:off x="0" y="836712"/>
+            <a:ext cx="9144000" cy="5029200"/>
+          </a:xfrm>
+          <a:prstGeom prst="rect">
+            <a:avLst/>
+          </a:prstGeom>
+        </p:spPr>
+      </p:pic>
+    </p:spTree>
+    <p:extLst>
+      <p:ext uri="{BB962C8B-B14F-4D97-AF65-F5344CB8AC3E}">
+        <p14:creationId xmlns:p14="http://schemas.microsoft.com/office/powerpoint/2010/main" val="2430389786"/>
+      </p:ext>
+    </p:extLst>
+  </p:cSld>
+  <p:clrMapOvr>
+    <a:masterClrMapping/>
+  </p:clrMapOvr>
+</p:sld>
+</file>
+
+<file path=ppt/slides/slide5.xml><?xml version="1.0" encoding="utf-8"?>
+<p:sld xmlns:a="http://schemas.openxmlformats.org/drawingml/2006/main" xmlns:r="http://schemas.openxmlformats.org/officeDocument/2006/relationships" xmlns:p="http://schemas.openxmlformats.org/presentationml/2006/main">
+  <p:cSld>
+    <p:bg>
+      <p:bgPr>
+        <a:solidFill>
+          <a:schemeClr val="tx1"/>
+        </a:solidFill>
+        <a:effectLst/>
+      </p:bgPr>
+    </p:bg>
+    <p:spTree>
+      <p:nvGrpSpPr>
+        <p:cNvPr id="1" name=""/>
+        <p:cNvGrpSpPr/>
+        <p:nvPr/>
+      </p:nvGrpSpPr>
+      <p:grpSpPr>
+        <a:xfrm>
+          <a:off x="0" y="0"/>
+          <a:ext cx="0" cy="0"/>
+          <a:chOff x="0" y="0"/>
+          <a:chExt cx="0" cy="0"/>
+        </a:xfrm>
+      </p:grpSpPr>
+      <p:pic>
+        <p:nvPicPr>
+          <p:cNvPr id="3" name="Imagen 2">
+            <a:extLst>
+              <a:ext uri="{FF2B5EF4-FFF2-40B4-BE49-F238E27FC236}">
+                <a16:creationId xmlns:a16="http://schemas.microsoft.com/office/drawing/2014/main" id="{34992C21-3E41-4ED1-B27C-3D01C37BD2D6}"/>
+              </a:ext>
+            </a:extLst>
+          </p:cNvPr>
+          <p:cNvPicPr>
+            <a:picLocks noChangeAspect="1"/>
+          </p:cNvPicPr>
+          <p:nvPr/>
+        </p:nvPicPr>
+        <p:blipFill>
+          <a:blip r:embed="rId2">
+            <a:extLst>
+              <a:ext uri="{28A0092B-C50C-407E-A947-70E740481C1C}">
+                <a14:useLocalDpi xmlns:a14="http://schemas.microsoft.com/office/drawing/2010/main" val="0"/>
+              </a:ext>
+            </a:extLst>
+          </a:blip>
+          <a:stretch>
+            <a:fillRect/>
+          </a:stretch>
+        </p:blipFill>
+        <p:spPr>
+          <a:xfrm>
+            <a:off x="1043608" y="2420888"/>
+            <a:ext cx="2304256" cy="2532777"/>
+          </a:xfrm>
+          <a:prstGeom prst="rect">
+            <a:avLst/>
+          </a:prstGeom>
+        </p:spPr>
+      </p:pic>
+      <p:sp>
+        <p:nvSpPr>
+          <p:cNvPr id="4" name="Título 1">
+            <a:extLst>
+              <a:ext uri="{FF2B5EF4-FFF2-40B4-BE49-F238E27FC236}">
+                <a16:creationId xmlns:a16="http://schemas.microsoft.com/office/drawing/2014/main" id="{368A3A4C-E7AF-45B5-B41E-6941B367BC3E}"/>
+              </a:ext>
+            </a:extLst>
+          </p:cNvPr>
+          <p:cNvSpPr txBox="1">
+            <a:spLocks/>
+          </p:cNvSpPr>
+          <p:nvPr/>
+        </p:nvSpPr>
+        <p:spPr>
+          <a:xfrm>
+            <a:off x="3346579" y="2276872"/>
+            <a:ext cx="8013192" cy="864096"/>
+          </a:xfrm>
+          <a:prstGeom prst="rect">
+            <a:avLst/>
+          </a:prstGeom>
+        </p:spPr>
+        <p:txBody>
+          <a:bodyPr/>
+          <a:lstStyle>
+            <a:lvl1pPr algn="l" rtl="0" eaLnBrk="1" latinLnBrk="0" hangingPunct="1">
+              <a:spcBef>
+                <a:spcPct val="0"/>
+              </a:spcBef>
+              <a:buNone/>
+              <a:defRPr kumimoji="0" sz="4500" b="1" kern="1200">
+                <a:solidFill>
+                  <a:schemeClr val="accent1">
+                    <a:satMod val="150000"/>
+                  </a:schemeClr>
+                </a:solidFill>
+                <a:effectLst/>
+                <a:latin typeface="+mj-lt"/>
+                <a:ea typeface="+mj-ea"/>
+                <a:cs typeface="+mj-cs"/>
+              </a:defRPr>
+            </a:lvl1pPr>
+            <a:extLst/>
+          </a:lstStyle>
+          <a:p>
+            <a:r>
+              <a:rPr lang="es-ES" sz="5400" dirty="0"/>
+              <a:t>¿Y LAS CARTAS?</a:t>
+            </a:r>
+          </a:p>
+        </p:txBody>
+      </p:sp>
+    </p:spTree>
+    <p:extLst>
+      <p:ext uri="{BB962C8B-B14F-4D97-AF65-F5344CB8AC3E}">
+        <p14:creationId xmlns:p14="http://schemas.microsoft.com/office/powerpoint/2010/main" val="2749999271"/>
+      </p:ext>
+    </p:extLst>
+  </p:cSld>
+  <p:clrMapOvr>
+    <a:masterClrMapping/>
+  </p:clrMapOvr>
+</p:sld>
+</file>
+
+<file path=ppt/slides/slide6.xml><?xml version="1.0" encoding="utf-8"?>
+<p:sld xmlns:a="http://schemas.openxmlformats.org/drawingml/2006/main" xmlns:r="http://schemas.openxmlformats.org/officeDocument/2006/relationships" xmlns:p="http://schemas.openxmlformats.org/presentationml/2006/main">
+  <p:cSld>
+    <p:spTree>
+      <p:nvGrpSpPr>
+        <p:cNvPr id="1" name=""/>
+        <p:cNvGrpSpPr/>
+        <p:nvPr/>
+      </p:nvGrpSpPr>
+      <p:grpSpPr>
+        <a:xfrm>
+          <a:off x="0" y="0"/>
+          <a:ext cx="0" cy="0"/>
+          <a:chOff x="0" y="0"/>
+          <a:chExt cx="0" cy="0"/>
+        </a:xfrm>
+      </p:grpSpPr>
+      <p:sp>
+        <p:nvSpPr>
+          <p:cNvPr id="2" name="Título 1">
+            <a:extLst>
+              <a:ext uri="{FF2B5EF4-FFF2-40B4-BE49-F238E27FC236}">
+                <a16:creationId xmlns:a16="http://schemas.microsoft.com/office/drawing/2014/main" id="{F1E15A73-4BE1-447E-885E-F6EF0BBC797F}"/>
+              </a:ext>
+            </a:extLst>
+          </p:cNvPr>
+          <p:cNvSpPr>
+            <a:spLocks noGrp="1"/>
+          </p:cNvSpPr>
+          <p:nvPr>
+            <p:ph type="ctrTitle"/>
+          </p:nvPr>
+        </p:nvSpPr>
+        <p:spPr>
+          <a:xfrm>
+            <a:off x="611560" y="5517232"/>
+            <a:ext cx="8077200" cy="1673352"/>
+          </a:xfrm>
+        </p:spPr>
+        <p:txBody>
+          <a:bodyPr/>
+          <a:lstStyle/>
+          <a:p>
+            <a:r>
+              <a:rPr lang="es-ES"/>
+              <a:t>Y MUCHAS MÁS</a:t>
+            </a:r>
+            <a:endParaRPr lang="es-ES" dirty="0"/>
+          </a:p>
+        </p:txBody>
+      </p:sp>
+      <p:pic>
+        <p:nvPicPr>
+          <p:cNvPr id="23" name="Imagen 22">
+            <a:extLst>
+              <a:ext uri="{FF2B5EF4-FFF2-40B4-BE49-F238E27FC236}">
+                <a16:creationId xmlns:a16="http://schemas.microsoft.com/office/drawing/2014/main" id="{71A8B83F-D8E5-4BAD-A116-3670D58D6DA1}"/>
+              </a:ext>
+            </a:extLst>
+          </p:cNvPr>
+          <p:cNvPicPr>
+            <a:picLocks noChangeAspect="1"/>
+          </p:cNvPicPr>
+          <p:nvPr/>
+        </p:nvPicPr>
+        <p:blipFill>
+          <a:blip r:embed="rId2">
+            <a:extLst>
+              <a:ext uri="{28A0092B-C50C-407E-A947-70E740481C1C}">
+                <a14:useLocalDpi xmlns:a14="http://schemas.microsoft.com/office/drawing/2010/main" val="0"/>
+              </a:ext>
+            </a:extLst>
+          </a:blip>
+          <a:stretch>
+            <a:fillRect/>
+          </a:stretch>
+        </p:blipFill>
+        <p:spPr>
+          <a:xfrm>
+            <a:off x="454359" y="891112"/>
+            <a:ext cx="2039484" cy="2996952"/>
+          </a:xfrm>
+          <a:prstGeom prst="rect">
+            <a:avLst/>
+          </a:prstGeom>
+        </p:spPr>
+      </p:pic>
+      <p:pic>
+        <p:nvPicPr>
+          <p:cNvPr id="25" name="Imagen 24">
+            <a:extLst>
+              <a:ext uri="{FF2B5EF4-FFF2-40B4-BE49-F238E27FC236}">
+                <a16:creationId xmlns:a16="http://schemas.microsoft.com/office/drawing/2014/main" id="{4DBD9B89-03EE-437C-AE24-1688DB3DC2B7}"/>
+              </a:ext>
+            </a:extLst>
+          </p:cNvPr>
+          <p:cNvPicPr>
+            <a:picLocks noChangeAspect="1"/>
+          </p:cNvPicPr>
+          <p:nvPr/>
+        </p:nvPicPr>
+        <p:blipFill>
+          <a:blip r:embed="rId3">
+            <a:extLst>
+              <a:ext uri="{28A0092B-C50C-407E-A947-70E740481C1C}">
+                <a14:useLocalDpi xmlns:a14="http://schemas.microsoft.com/office/drawing/2010/main" val="0"/>
+              </a:ext>
+            </a:extLst>
+          </a:blip>
+          <a:stretch>
+            <a:fillRect/>
+          </a:stretch>
+        </p:blipFill>
+        <p:spPr>
+          <a:xfrm>
+            <a:off x="2462554" y="891112"/>
+            <a:ext cx="2039484" cy="2996952"/>
+          </a:xfrm>
+          <a:prstGeom prst="rect">
+            <a:avLst/>
+          </a:prstGeom>
+        </p:spPr>
+      </p:pic>
+      <p:pic>
+        <p:nvPicPr>
+          <p:cNvPr id="27" name="Imagen 26">
+            <a:extLst>
+              <a:ext uri="{FF2B5EF4-FFF2-40B4-BE49-F238E27FC236}">
+                <a16:creationId xmlns:a16="http://schemas.microsoft.com/office/drawing/2014/main" id="{95A93A30-1E5A-40A9-9DD9-7DE4631CAAFA}"/>
+              </a:ext>
+            </a:extLst>
+          </p:cNvPr>
+          <p:cNvPicPr>
+            <a:picLocks noChangeAspect="1"/>
+          </p:cNvPicPr>
+          <p:nvPr/>
+        </p:nvPicPr>
+        <p:blipFill>
+          <a:blip r:embed="rId4">
+            <a:extLst>
+              <a:ext uri="{28A0092B-C50C-407E-A947-70E740481C1C}">
+                <a14:useLocalDpi xmlns:a14="http://schemas.microsoft.com/office/drawing/2010/main" val="0"/>
+              </a:ext>
+            </a:extLst>
+          </a:blip>
+          <a:stretch>
+            <a:fillRect/>
+          </a:stretch>
+        </p:blipFill>
+        <p:spPr>
+          <a:xfrm>
+            <a:off x="4546720" y="891112"/>
+            <a:ext cx="2039484" cy="2996952"/>
+          </a:xfrm>
+          <a:prstGeom prst="rect">
+            <a:avLst/>
+          </a:prstGeom>
+        </p:spPr>
+      </p:pic>
+      <p:pic>
+        <p:nvPicPr>
+          <p:cNvPr id="29" name="Imagen 28">
+            <a:extLst>
+              <a:ext uri="{FF2B5EF4-FFF2-40B4-BE49-F238E27FC236}">
+                <a16:creationId xmlns:a16="http://schemas.microsoft.com/office/drawing/2014/main" id="{77772017-4366-48B2-A946-9B2075BF7D8F}"/>
+              </a:ext>
+            </a:extLst>
+          </p:cNvPr>
+          <p:cNvPicPr>
+            <a:picLocks noChangeAspect="1"/>
+          </p:cNvPicPr>
+          <p:nvPr/>
+        </p:nvPicPr>
+        <p:blipFill>
+          <a:blip r:embed="rId5">
+            <a:extLst>
+              <a:ext uri="{28A0092B-C50C-407E-A947-70E740481C1C}">
+                <a14:useLocalDpi xmlns:a14="http://schemas.microsoft.com/office/drawing/2010/main" val="0"/>
+              </a:ext>
+            </a:extLst>
+          </a:blip>
+          <a:stretch>
+            <a:fillRect/>
+          </a:stretch>
+        </p:blipFill>
+        <p:spPr>
+          <a:xfrm>
+            <a:off x="6630886" y="891112"/>
+            <a:ext cx="2039484" cy="2996952"/>
+          </a:xfrm>
+          <a:prstGeom prst="rect">
+            <a:avLst/>
+          </a:prstGeom>
+        </p:spPr>
+      </p:pic>
+    </p:spTree>
+    <p:extLst>
+      <p:ext uri="{BB962C8B-B14F-4D97-AF65-F5344CB8AC3E}">
+        <p14:creationId xmlns:p14="http://schemas.microsoft.com/office/powerpoint/2010/main" val="390337175"/>
+      </p:ext>
+    </p:extLst>
+  </p:cSld>
+  <p:clrMapOvr>
+    <a:masterClrMapping/>
+  </p:clrMapOvr>
+</p:sld>
+</file>
+
+<file path=ppt/slides/slide7.xml><?xml version="1.0" encoding="utf-8"?>
+<p:sld xmlns:a="http://schemas.openxmlformats.org/drawingml/2006/main" xmlns:r="http://schemas.openxmlformats.org/officeDocument/2006/relationships" xmlns:p="http://schemas.openxmlformats.org/presentationml/2006/main">
+  <p:cSld>
+    <p:spTree>
+      <p:nvGrpSpPr>
+        <p:cNvPr id="1" name=""/>
+        <p:cNvGrpSpPr/>
+        <p:nvPr/>
+      </p:nvGrpSpPr>
+      <p:grpSpPr>
+        <a:xfrm>
+          <a:off x="0" y="0"/>
+          <a:ext cx="0" cy="0"/>
+          <a:chOff x="0" y="0"/>
+          <a:chExt cx="0" cy="0"/>
+        </a:xfrm>
+      </p:grpSpPr>
+      <p:sp>
+        <p:nvSpPr>
+          <p:cNvPr id="5" name="Título 4">
+            <a:extLst>
+              <a:ext uri="{FF2B5EF4-FFF2-40B4-BE49-F238E27FC236}">
+                <a16:creationId xmlns:a16="http://schemas.microsoft.com/office/drawing/2014/main" id="{E03A1651-1E17-4616-9AF8-08ECB5BA0560}"/>
+              </a:ext>
+            </a:extLst>
+          </p:cNvPr>
+          <p:cNvSpPr>
+            <a:spLocks noGrp="1"/>
+          </p:cNvSpPr>
+          <p:nvPr>
+            <p:ph type="title"/>
+          </p:nvPr>
+        </p:nvSpPr>
+        <p:spPr>
+          <a:xfrm>
+            <a:off x="1638630" y="1340768"/>
+            <a:ext cx="7668344" cy="1008112"/>
+          </a:xfrm>
+        </p:spPr>
+        <p:txBody>
+          <a:bodyPr>
+            <a:noAutofit/>
+          </a:bodyPr>
+          <a:lstStyle/>
+          <a:p>
+            <a:r>
+              <a:rPr lang="es-ES" sz="3600" dirty="0"/>
+              <a:t>¿CUÁNTAS CARTAS PUEDEN ESTAR LUCHANDO POR CADA JUGADOR?</a:t>
+            </a:r>
+          </a:p>
+        </p:txBody>
+      </p:sp>
+      <p:pic>
+        <p:nvPicPr>
+          <p:cNvPr id="9" name="Imagen 8">
+            <a:extLst>
+              <a:ext uri="{FF2B5EF4-FFF2-40B4-BE49-F238E27FC236}">
+                <a16:creationId xmlns:a16="http://schemas.microsoft.com/office/drawing/2014/main" id="{BD7D3B8E-3D47-4DD7-A1DE-CBDBB682BE71}"/>
+              </a:ext>
+            </a:extLst>
+          </p:cNvPr>
+          <p:cNvPicPr>
+            <a:picLocks noChangeAspect="1"/>
+          </p:cNvPicPr>
+          <p:nvPr/>
+        </p:nvPicPr>
+        <p:blipFill>
+          <a:blip r:embed="rId2">
+            <a:extLst>
+              <a:ext uri="{28A0092B-C50C-407E-A947-70E740481C1C}">
+                <a14:useLocalDpi xmlns:a14="http://schemas.microsoft.com/office/drawing/2010/main" val="0"/>
+              </a:ext>
+            </a:extLst>
+          </a:blip>
+          <a:stretch>
+            <a:fillRect/>
+          </a:stretch>
+        </p:blipFill>
+        <p:spPr>
+          <a:xfrm>
+            <a:off x="179512" y="908720"/>
+            <a:ext cx="1485580" cy="1296144"/>
+          </a:xfrm>
+          <a:prstGeom prst="rect">
+            <a:avLst/>
+          </a:prstGeom>
+        </p:spPr>
+      </p:pic>
+      <p:sp>
+        <p:nvSpPr>
+          <p:cNvPr id="12" name="Marcador de texto 2">
+            <a:extLst>
+              <a:ext uri="{FF2B5EF4-FFF2-40B4-BE49-F238E27FC236}">
+                <a16:creationId xmlns:a16="http://schemas.microsoft.com/office/drawing/2014/main" id="{9F3635E2-B2B9-4F6A-9EAB-8EE5D7E8BBD8}"/>
+              </a:ext>
+            </a:extLst>
+          </p:cNvPr>
+          <p:cNvSpPr>
+            <a:spLocks noGrp="1"/>
+          </p:cNvSpPr>
+          <p:nvPr>
+            <p:ph type="body" idx="1"/>
+          </p:nvPr>
+        </p:nvSpPr>
+        <p:spPr>
+          <a:xfrm>
+            <a:off x="683568" y="3645024"/>
+            <a:ext cx="8022336" cy="2016224"/>
+          </a:xfrm>
+        </p:spPr>
+        <p:txBody>
+          <a:bodyPr>
+            <a:normAutofit lnSpcReduction="10000"/>
+          </a:bodyPr>
+          <a:lstStyle/>
+          <a:p>
+            <a:r>
+              <a:rPr lang="es-ES" sz="2800" dirty="0"/>
+              <a:t>Cada jugador puede tirar hasta un máximo de cinco cartas que estarán desplegadas por el campo de batalla, es decir, en el campo de lucha habrán un total de diez cartas que pelearan por la victoria de cada jugador.</a:t>
+            </a:r>
+          </a:p>
+          <a:p>
+            <a:endParaRPr lang="es-ES" dirty="0"/>
+          </a:p>
+          <a:p>
+            <a:endParaRPr lang="es-ES" dirty="0"/>
+          </a:p>
+        </p:txBody>
+      </p:sp>
+    </p:spTree>
+    <p:extLst>
+      <p:ext uri="{BB962C8B-B14F-4D97-AF65-F5344CB8AC3E}">
+        <p14:creationId xmlns:p14="http://schemas.microsoft.com/office/powerpoint/2010/main" val="1358378686"/>
+      </p:ext>
+    </p:extLst>
+  </p:cSld>
+  <p:clrMapOvr>
+    <a:masterClrMapping/>
+  </p:clrMapOvr>
+</p:sld>
+</file>
+
+<file path=ppt/slides/slide8.xml><?xml version="1.0" encoding="utf-8"?>
+<p:sld xmlns:a="http://schemas.openxmlformats.org/drawingml/2006/main" xmlns:r="http://schemas.openxmlformats.org/officeDocument/2006/relationships" xmlns:p="http://schemas.openxmlformats.org/presentationml/2006/main">
+  <p:cSld>
+    <p:bg>
+      <p:bgPr>
+        <a:solidFill>
+          <a:schemeClr val="tx1"/>
+        </a:solidFill>
+        <a:effectLst/>
+      </p:bgPr>
+    </p:bg>
+    <p:spTree>
+      <p:nvGrpSpPr>
+        <p:cNvPr id="1" name=""/>
+        <p:cNvGrpSpPr/>
+        <p:nvPr/>
+      </p:nvGrpSpPr>
+      <p:grpSpPr>
+        <a:xfrm>
+          <a:off x="0" y="0"/>
+          <a:ext cx="0" cy="0"/>
+          <a:chOff x="0" y="0"/>
+          <a:chExt cx="0" cy="0"/>
+        </a:xfrm>
+      </p:grpSpPr>
+      <p:pic>
+        <p:nvPicPr>
+          <p:cNvPr id="3" name="Imagen 2">
+            <a:extLst>
+              <a:ext uri="{FF2B5EF4-FFF2-40B4-BE49-F238E27FC236}">
+                <a16:creationId xmlns:a16="http://schemas.microsoft.com/office/drawing/2014/main" id="{6FC90F6B-FBA8-41B1-A0E7-DC4719544BF3}"/>
+              </a:ext>
+            </a:extLst>
+          </p:cNvPr>
+          <p:cNvPicPr>
+            <a:picLocks noChangeAspect="1"/>
+          </p:cNvPicPr>
+          <p:nvPr/>
+        </p:nvPicPr>
+        <p:blipFill>
+          <a:blip r:embed="rId2">
+            <a:extLst>
+              <a:ext uri="{28A0092B-C50C-407E-A947-70E740481C1C}">
+                <a14:useLocalDpi xmlns:a14="http://schemas.microsoft.com/office/drawing/2010/main" val="0"/>
+              </a:ext>
+            </a:extLst>
+          </a:blip>
+          <a:stretch>
+            <a:fillRect/>
+          </a:stretch>
+        </p:blipFill>
+        <p:spPr>
+          <a:xfrm>
+            <a:off x="0" y="914400"/>
+            <a:ext cx="9144000" cy="5029200"/>
+          </a:xfrm>
+          <a:prstGeom prst="rect">
+            <a:avLst/>
+          </a:prstGeom>
+        </p:spPr>
+      </p:pic>
+    </p:spTree>
+    <p:extLst>
+      <p:ext uri="{BB962C8B-B14F-4D97-AF65-F5344CB8AC3E}">
+        <p14:creationId xmlns:p14="http://schemas.microsoft.com/office/powerpoint/2010/main" val="2303315847"/>
       </p:ext>
     </p:extLst>
   </p:cSld>

--- a/PRESENTACIÓN/Presentación videojuegos.pptx
+++ b/PRESENTACIÓN/Presentación videojuegos.pptx
@@ -6,13 +6,12 @@
   </p:sldMasterIdLst>
   <p:sldIdLst>
     <p:sldId id="259" r:id="rId3"/>
-    <p:sldId id="257" r:id="rId4"/>
-    <p:sldId id="260" r:id="rId5"/>
-    <p:sldId id="261" r:id="rId6"/>
-    <p:sldId id="264" r:id="rId7"/>
-    <p:sldId id="265" r:id="rId8"/>
-    <p:sldId id="262" r:id="rId9"/>
-    <p:sldId id="263" r:id="rId10"/>
+    <p:sldId id="260" r:id="rId4"/>
+    <p:sldId id="261" r:id="rId5"/>
+    <p:sldId id="264" r:id="rId6"/>
+    <p:sldId id="265" r:id="rId7"/>
+    <p:sldId id="262" r:id="rId8"/>
+    <p:sldId id="263" r:id="rId9"/>
   </p:sldIdLst>
   <p:sldSz cx="9144000" cy="6858000" type="screen4x3"/>
   <p:notesSz cx="6858000" cy="9144000"/>
@@ -140,21 +139,21 @@
         <pc:docMk/>
       </pc:docMkLst>
       <pc:sldChg chg="setBg">
-        <pc:chgData name="pedro alexis elias" userId="7904eee9770f7998" providerId="LiveId" clId="{85BB328F-5A6E-4CD3-B160-05389CD49510}" dt="2018-05-10T09:43:01.041" v="6"/>
+        <pc:chgData name="pedro alexis elias" userId="7904eee9770f7998" providerId="LiveId" clId="{85BB328F-5A6E-4CD3-B160-05389CD49510}" dt="2018-05-10T09:43:01.041" v="6" actId="20577"/>
         <pc:sldMkLst>
           <pc:docMk/>
           <pc:sldMk cId="911596441" sldId="259"/>
         </pc:sldMkLst>
       </pc:sldChg>
       <pc:sldChg chg="setBg">
-        <pc:chgData name="pedro alexis elias" userId="7904eee9770f7998" providerId="LiveId" clId="{85BB328F-5A6E-4CD3-B160-05389CD49510}" dt="2018-05-10T09:43:01.041" v="6"/>
+        <pc:chgData name="pedro alexis elias" userId="7904eee9770f7998" providerId="LiveId" clId="{85BB328F-5A6E-4CD3-B160-05389CD49510}" dt="2018-05-10T09:43:01.041" v="6" actId="20577"/>
         <pc:sldMkLst>
           <pc:docMk/>
           <pc:sldMk cId="1917688238" sldId="260"/>
         </pc:sldMkLst>
       </pc:sldChg>
       <pc:sldChg chg="addSp delSp modSp setBg">
-        <pc:chgData name="pedro alexis elias" userId="7904eee9770f7998" providerId="LiveId" clId="{85BB328F-5A6E-4CD3-B160-05389CD49510}" dt="2018-05-10T09:43:01.041" v="6"/>
+        <pc:chgData name="pedro alexis elias" userId="7904eee9770f7998" providerId="LiveId" clId="{85BB328F-5A6E-4CD3-B160-05389CD49510}" dt="2018-05-10T09:43:01.041" v="6" actId="20577"/>
         <pc:sldMkLst>
           <pc:docMk/>
           <pc:sldMk cId="2430389786" sldId="261"/>
@@ -177,7 +176,7 @@
         </pc:picChg>
       </pc:sldChg>
       <pc:sldChg chg="setBg">
-        <pc:chgData name="pedro alexis elias" userId="7904eee9770f7998" providerId="LiveId" clId="{85BB328F-5A6E-4CD3-B160-05389CD49510}" dt="2018-05-10T09:43:01.041" v="6"/>
+        <pc:chgData name="pedro alexis elias" userId="7904eee9770f7998" providerId="LiveId" clId="{85BB328F-5A6E-4CD3-B160-05389CD49510}" dt="2018-05-10T09:43:01.041" v="6" actId="20577"/>
         <pc:sldMkLst>
           <pc:docMk/>
           <pc:sldMk cId="2303315847" sldId="263"/>
@@ -446,13 +445,13 @@
         </pc:picChg>
       </pc:sldChg>
       <pc:sldMasterChg chg="setBg modSldLayout">
-        <pc:chgData name="pedro alexis elias" userId="7904eee9770f7998" providerId="LiveId" clId="{85BB328F-5A6E-4CD3-B160-05389CD49510}" dt="2018-05-10T09:43:01.041" v="6"/>
+        <pc:chgData name="pedro alexis elias" userId="7904eee9770f7998" providerId="LiveId" clId="{85BB328F-5A6E-4CD3-B160-05389CD49510}" dt="2018-05-10T09:43:01.041" v="6" actId="20577"/>
         <pc:sldMasterMkLst>
           <pc:docMk/>
           <pc:sldMasterMk cId="0" sldId="2147483672"/>
         </pc:sldMasterMkLst>
         <pc:sldLayoutChg chg="setBg">
-          <pc:chgData name="pedro alexis elias" userId="7904eee9770f7998" providerId="LiveId" clId="{85BB328F-5A6E-4CD3-B160-05389CD49510}" dt="2018-05-10T09:43:01.041" v="6"/>
+          <pc:chgData name="pedro alexis elias" userId="7904eee9770f7998" providerId="LiveId" clId="{85BB328F-5A6E-4CD3-B160-05389CD49510}" dt="2018-05-10T09:43:01.041" v="6" actId="20577"/>
           <pc:sldLayoutMkLst>
             <pc:docMk/>
             <pc:sldMasterMk cId="0" sldId="2147483672"/>
@@ -460,7 +459,7 @@
           </pc:sldLayoutMkLst>
         </pc:sldLayoutChg>
         <pc:sldLayoutChg chg="setBg">
-          <pc:chgData name="pedro alexis elias" userId="7904eee9770f7998" providerId="LiveId" clId="{85BB328F-5A6E-4CD3-B160-05389CD49510}" dt="2018-05-10T09:43:01.041" v="6"/>
+          <pc:chgData name="pedro alexis elias" userId="7904eee9770f7998" providerId="LiveId" clId="{85BB328F-5A6E-4CD3-B160-05389CD49510}" dt="2018-05-10T09:43:01.041" v="6" actId="20577"/>
           <pc:sldLayoutMkLst>
             <pc:docMk/>
             <pc:sldMasterMk cId="0" sldId="2147483672"/>
@@ -468,7 +467,7 @@
           </pc:sldLayoutMkLst>
         </pc:sldLayoutChg>
         <pc:sldLayoutChg chg="setBg">
-          <pc:chgData name="pedro alexis elias" userId="7904eee9770f7998" providerId="LiveId" clId="{85BB328F-5A6E-4CD3-B160-05389CD49510}" dt="2018-05-10T09:43:01.041" v="6"/>
+          <pc:chgData name="pedro alexis elias" userId="7904eee9770f7998" providerId="LiveId" clId="{85BB328F-5A6E-4CD3-B160-05389CD49510}" dt="2018-05-10T09:43:01.041" v="6" actId="20577"/>
           <pc:sldLayoutMkLst>
             <pc:docMk/>
             <pc:sldMasterMk cId="0" sldId="2147483672"/>
@@ -476,6 +475,22 @@
           </pc:sldLayoutMkLst>
         </pc:sldLayoutChg>
       </pc:sldMasterChg>
+    </pc:docChg>
+  </pc:docChgLst>
+  <pc:docChgLst>
+    <pc:chgData name="pedro alexis elias" userId="7904eee9770f7998" providerId="LiveId" clId="{91C390AE-5DCB-4A72-BD6A-315F2BF90F36}"/>
+    <pc:docChg chg="delSld">
+      <pc:chgData name="pedro alexis elias" userId="7904eee9770f7998" providerId="LiveId" clId="{91C390AE-5DCB-4A72-BD6A-315F2BF90F36}" dt="2018-05-10T09:53:45.830" v="0" actId="2696"/>
+      <pc:docMkLst>
+        <pc:docMk/>
+      </pc:docMkLst>
+      <pc:sldChg chg="del">
+        <pc:chgData name="pedro alexis elias" userId="7904eee9770f7998" providerId="LiveId" clId="{91C390AE-5DCB-4A72-BD6A-315F2BF90F36}" dt="2018-05-10T09:53:45.830" v="0" actId="2696"/>
+        <pc:sldMkLst>
+          <pc:docMk/>
+          <pc:sldMk cId="3605092446" sldId="257"/>
+        </pc:sldMkLst>
+      </pc:sldChg>
     </pc:docChg>
   </pc:docChgLst>
 </pc:chgInfo>
@@ -4186,135 +4201,6 @@
 <file path=ppt/slides/slide2.xml><?xml version="1.0" encoding="utf-8"?>
 <p:sld xmlns:a="http://schemas.openxmlformats.org/drawingml/2006/main" xmlns:r="http://schemas.openxmlformats.org/officeDocument/2006/relationships" xmlns:p="http://schemas.openxmlformats.org/presentationml/2006/main">
   <p:cSld>
-    <p:spTree>
-      <p:nvGrpSpPr>
-        <p:cNvPr id="1" name=""/>
-        <p:cNvGrpSpPr/>
-        <p:nvPr/>
-      </p:nvGrpSpPr>
-      <p:grpSpPr>
-        <a:xfrm>
-          <a:off x="0" y="0"/>
-          <a:ext cx="0" cy="0"/>
-          <a:chOff x="0" y="0"/>
-          <a:chExt cx="0" cy="0"/>
-        </a:xfrm>
-      </p:grpSpPr>
-      <p:sp>
-        <p:nvSpPr>
-          <p:cNvPr id="2" name="Título 1">
-            <a:extLst>
-              <a:ext uri="{FF2B5EF4-FFF2-40B4-BE49-F238E27FC236}">
-                <a16:creationId xmlns:a16="http://schemas.microsoft.com/office/drawing/2014/main" id="{10FECB4E-54A7-43B9-BA98-12D156B7511A}"/>
-              </a:ext>
-            </a:extLst>
-          </p:cNvPr>
-          <p:cNvSpPr>
-            <a:spLocks noGrp="1"/>
-          </p:cNvSpPr>
-          <p:nvPr>
-            <p:ph type="title"/>
-          </p:nvPr>
-        </p:nvSpPr>
-        <p:spPr>
-          <a:xfrm>
-            <a:off x="1835696" y="-99392"/>
-            <a:ext cx="8013192" cy="1636776"/>
-          </a:xfrm>
-        </p:spPr>
-        <p:txBody>
-          <a:bodyPr/>
-          <a:lstStyle/>
-          <a:p>
-            <a:r>
-              <a:rPr lang="es-ES" dirty="0"/>
-              <a:t>¿QUÉ ES FIGTH KNIGHTS?</a:t>
-            </a:r>
-          </a:p>
-        </p:txBody>
-      </p:sp>
-      <p:sp>
-        <p:nvSpPr>
-          <p:cNvPr id="3" name="Marcador de texto 2">
-            <a:extLst>
-              <a:ext uri="{FF2B5EF4-FFF2-40B4-BE49-F238E27FC236}">
-                <a16:creationId xmlns:a16="http://schemas.microsoft.com/office/drawing/2014/main" id="{7010DAEB-496E-43EC-AE5F-277080B126A3}"/>
-              </a:ext>
-            </a:extLst>
-          </p:cNvPr>
-          <p:cNvSpPr>
-            <a:spLocks noGrp="1"/>
-          </p:cNvSpPr>
-          <p:nvPr>
-            <p:ph type="body" idx="1"/>
-          </p:nvPr>
-        </p:nvSpPr>
-        <p:spPr>
-          <a:xfrm>
-            <a:off x="467544" y="2743200"/>
-            <a:ext cx="8022336" cy="685800"/>
-          </a:xfrm>
-        </p:spPr>
-        <p:txBody>
-          <a:bodyPr/>
-          <a:lstStyle/>
-          <a:p>
-            <a:endParaRPr lang="es-ES" dirty="0"/>
-          </a:p>
-        </p:txBody>
-      </p:sp>
-      <p:pic>
-        <p:nvPicPr>
-          <p:cNvPr id="5" name="Imagen 4">
-            <a:extLst>
-              <a:ext uri="{FF2B5EF4-FFF2-40B4-BE49-F238E27FC236}">
-                <a16:creationId xmlns:a16="http://schemas.microsoft.com/office/drawing/2014/main" id="{3F6A667C-A797-41AB-BE02-E7BB04D6DCD1}"/>
-              </a:ext>
-            </a:extLst>
-          </p:cNvPr>
-          <p:cNvPicPr>
-            <a:picLocks noChangeAspect="1"/>
-          </p:cNvPicPr>
-          <p:nvPr/>
-        </p:nvPicPr>
-        <p:blipFill>
-          <a:blip r:embed="rId2">
-            <a:extLst>
-              <a:ext uri="{28A0092B-C50C-407E-A947-70E740481C1C}">
-                <a14:useLocalDpi xmlns:a14="http://schemas.microsoft.com/office/drawing/2010/main" val="0"/>
-              </a:ext>
-            </a:extLst>
-          </a:blip>
-          <a:stretch>
-            <a:fillRect/>
-          </a:stretch>
-        </p:blipFill>
-        <p:spPr>
-          <a:xfrm>
-            <a:off x="158799" y="548680"/>
-            <a:ext cx="1663492" cy="1765079"/>
-          </a:xfrm>
-          <a:prstGeom prst="rect">
-            <a:avLst/>
-          </a:prstGeom>
-        </p:spPr>
-      </p:pic>
-    </p:spTree>
-    <p:extLst>
-      <p:ext uri="{BB962C8B-B14F-4D97-AF65-F5344CB8AC3E}">
-        <p14:creationId xmlns:p14="http://schemas.microsoft.com/office/powerpoint/2010/main" val="3605092446"/>
-      </p:ext>
-    </p:extLst>
-  </p:cSld>
-  <p:clrMapOvr>
-    <a:masterClrMapping/>
-  </p:clrMapOvr>
-</p:sld>
-</file>
-
-<file path=ppt/slides/slide3.xml><?xml version="1.0" encoding="utf-8"?>
-<p:sld xmlns:a="http://schemas.openxmlformats.org/drawingml/2006/main" xmlns:r="http://schemas.openxmlformats.org/officeDocument/2006/relationships" xmlns:p="http://schemas.openxmlformats.org/presentationml/2006/main">
-  <p:cSld>
     <p:bg>
       <p:bgPr>
         <a:solidFill>
@@ -4445,7 +4331,7 @@
 </p:sld>
 </file>
 
-<file path=ppt/slides/slide4.xml><?xml version="1.0" encoding="utf-8"?>
+<file path=ppt/slides/slide3.xml><?xml version="1.0" encoding="utf-8"?>
 <p:sld xmlns:a="http://schemas.openxmlformats.org/drawingml/2006/main" xmlns:r="http://schemas.openxmlformats.org/officeDocument/2006/relationships" xmlns:p="http://schemas.openxmlformats.org/presentationml/2006/main">
   <p:cSld>
     <p:bg>
@@ -4519,7 +4405,7 @@
 </p:sld>
 </file>
 
-<file path=ppt/slides/slide5.xml><?xml version="1.0" encoding="utf-8"?>
+<file path=ppt/slides/slide4.xml><?xml version="1.0" encoding="utf-8"?>
 <p:sld xmlns:a="http://schemas.openxmlformats.org/drawingml/2006/main" xmlns:r="http://schemas.openxmlformats.org/officeDocument/2006/relationships" xmlns:p="http://schemas.openxmlformats.org/presentationml/2006/main">
   <p:cSld>
     <p:bg>
@@ -4646,7 +4532,7 @@
 </p:sld>
 </file>
 
-<file path=ppt/slides/slide6.xml><?xml version="1.0" encoding="utf-8"?>
+<file path=ppt/slides/slide5.xml><?xml version="1.0" encoding="utf-8"?>
 <p:sld xmlns:a="http://schemas.openxmlformats.org/drawingml/2006/main" xmlns:r="http://schemas.openxmlformats.org/officeDocument/2006/relationships" xmlns:p="http://schemas.openxmlformats.org/presentationml/2006/main">
   <p:cSld>
     <p:spTree>
@@ -4854,7 +4740,7 @@
 </p:sld>
 </file>
 
-<file path=ppt/slides/slide7.xml><?xml version="1.0" encoding="utf-8"?>
+<file path=ppt/slides/slide6.xml><?xml version="1.0" encoding="utf-8"?>
 <p:sld xmlns:a="http://schemas.openxmlformats.org/drawingml/2006/main" xmlns:r="http://schemas.openxmlformats.org/officeDocument/2006/relationships" xmlns:p="http://schemas.openxmlformats.org/presentationml/2006/main">
   <p:cSld>
     <p:spTree>
@@ -4996,7 +4882,7 @@
 </p:sld>
 </file>
 
-<file path=ppt/slides/slide8.xml><?xml version="1.0" encoding="utf-8"?>
+<file path=ppt/slides/slide7.xml><?xml version="1.0" encoding="utf-8"?>
 <p:sld xmlns:a="http://schemas.openxmlformats.org/drawingml/2006/main" xmlns:r="http://schemas.openxmlformats.org/officeDocument/2006/relationships" xmlns:p="http://schemas.openxmlformats.org/presentationml/2006/main">
   <p:cSld>
     <p:bg>

--- a/PRESENTACIÓN/Presentación videojuegos.pptx
+++ b/PRESENTACIÓN/Presentación videojuegos.pptx
@@ -12,6 +12,7 @@
     <p:sldId id="265" r:id="rId7"/>
     <p:sldId id="262" r:id="rId8"/>
     <p:sldId id="263" r:id="rId9"/>
+    <p:sldId id="266" r:id="rId10"/>
   </p:sldIdLst>
   <p:sldSz cx="9144000" cy="6858000" type="screen4x3"/>
   <p:notesSz cx="6858000" cy="9144000"/>
@@ -479,8 +480,8 @@
   </pc:docChgLst>
   <pc:docChgLst>
     <pc:chgData name="pedro alexis elias" userId="7904eee9770f7998" providerId="LiveId" clId="{91C390AE-5DCB-4A72-BD6A-315F2BF90F36}"/>
-    <pc:docChg chg="delSld">
-      <pc:chgData name="pedro alexis elias" userId="7904eee9770f7998" providerId="LiveId" clId="{91C390AE-5DCB-4A72-BD6A-315F2BF90F36}" dt="2018-05-10T09:53:45.830" v="0" actId="2696"/>
+    <pc:docChg chg="custSel addSld delSld modSld modMainMaster">
+      <pc:chgData name="pedro alexis elias" userId="7904eee9770f7998" providerId="LiveId" clId="{91C390AE-5DCB-4A72-BD6A-315F2BF90F36}" dt="2018-05-10T09:59:42.412" v="14" actId="478"/>
       <pc:docMkLst>
         <pc:docMk/>
       </pc:docMkLst>
@@ -491,6 +492,95 @@
           <pc:sldMk cId="3605092446" sldId="257"/>
         </pc:sldMkLst>
       </pc:sldChg>
+      <pc:sldChg chg="setBg">
+        <pc:chgData name="pedro alexis elias" userId="7904eee9770f7998" providerId="LiveId" clId="{91C390AE-5DCB-4A72-BD6A-315F2BF90F36}" dt="2018-05-10T09:57:57.970" v="3"/>
+        <pc:sldMkLst>
+          <pc:docMk/>
+          <pc:sldMk cId="911596441" sldId="259"/>
+        </pc:sldMkLst>
+      </pc:sldChg>
+      <pc:sldChg chg="setBg">
+        <pc:chgData name="pedro alexis elias" userId="7904eee9770f7998" providerId="LiveId" clId="{91C390AE-5DCB-4A72-BD6A-315F2BF90F36}" dt="2018-05-10T09:57:57.970" v="3"/>
+        <pc:sldMkLst>
+          <pc:docMk/>
+          <pc:sldMk cId="1917688238" sldId="260"/>
+        </pc:sldMkLst>
+      </pc:sldChg>
+      <pc:sldChg chg="setBg">
+        <pc:chgData name="pedro alexis elias" userId="7904eee9770f7998" providerId="LiveId" clId="{91C390AE-5DCB-4A72-BD6A-315F2BF90F36}" dt="2018-05-10T09:57:57.970" v="3"/>
+        <pc:sldMkLst>
+          <pc:docMk/>
+          <pc:sldMk cId="2430389786" sldId="261"/>
+        </pc:sldMkLst>
+      </pc:sldChg>
+      <pc:sldChg chg="setBg">
+        <pc:chgData name="pedro alexis elias" userId="7904eee9770f7998" providerId="LiveId" clId="{91C390AE-5DCB-4A72-BD6A-315F2BF90F36}" dt="2018-05-10T09:57:57.970" v="3"/>
+        <pc:sldMkLst>
+          <pc:docMk/>
+          <pc:sldMk cId="2303315847" sldId="263"/>
+        </pc:sldMkLst>
+      </pc:sldChg>
+      <pc:sldChg chg="setBg">
+        <pc:chgData name="pedro alexis elias" userId="7904eee9770f7998" providerId="LiveId" clId="{91C390AE-5DCB-4A72-BD6A-315F2BF90F36}" dt="2018-05-10T09:57:57.970" v="3"/>
+        <pc:sldMkLst>
+          <pc:docMk/>
+          <pc:sldMk cId="2749999271" sldId="264"/>
+        </pc:sldMkLst>
+      </pc:sldChg>
+      <pc:sldChg chg="addSp delSp modSp add setBg">
+        <pc:chgData name="pedro alexis elias" userId="7904eee9770f7998" providerId="LiveId" clId="{91C390AE-5DCB-4A72-BD6A-315F2BF90F36}" dt="2018-05-10T09:59:42.412" v="14" actId="478"/>
+        <pc:sldMkLst>
+          <pc:docMk/>
+          <pc:sldMk cId="260936063" sldId="266"/>
+        </pc:sldMkLst>
+        <pc:picChg chg="add del mod">
+          <ac:chgData name="pedro alexis elias" userId="7904eee9770f7998" providerId="LiveId" clId="{91C390AE-5DCB-4A72-BD6A-315F2BF90F36}" dt="2018-05-10T09:59:36.707" v="11" actId="478"/>
+          <ac:picMkLst>
+            <pc:docMk/>
+            <pc:sldMk cId="260936063" sldId="266"/>
+            <ac:picMk id="4" creationId="{637AB711-EC21-4F52-B6BE-B313EE3BB030}"/>
+          </ac:picMkLst>
+        </pc:picChg>
+        <pc:picChg chg="add del mod">
+          <ac:chgData name="pedro alexis elias" userId="7904eee9770f7998" providerId="LiveId" clId="{91C390AE-5DCB-4A72-BD6A-315F2BF90F36}" dt="2018-05-10T09:59:42.412" v="14" actId="478"/>
+          <ac:picMkLst>
+            <pc:docMk/>
+            <pc:sldMk cId="260936063" sldId="266"/>
+            <ac:picMk id="6" creationId="{90D7CBFF-8D06-41D7-A1B0-CB24119E1CAC}"/>
+          </ac:picMkLst>
+        </pc:picChg>
+      </pc:sldChg>
+      <pc:sldMasterChg chg="setBg modSldLayout">
+        <pc:chgData name="pedro alexis elias" userId="7904eee9770f7998" providerId="LiveId" clId="{91C390AE-5DCB-4A72-BD6A-315F2BF90F36}" dt="2018-05-10T09:57:57.970" v="3"/>
+        <pc:sldMasterMkLst>
+          <pc:docMk/>
+          <pc:sldMasterMk cId="0" sldId="2147483672"/>
+        </pc:sldMasterMkLst>
+        <pc:sldLayoutChg chg="setBg">
+          <pc:chgData name="pedro alexis elias" userId="7904eee9770f7998" providerId="LiveId" clId="{91C390AE-5DCB-4A72-BD6A-315F2BF90F36}" dt="2018-05-10T09:57:57.970" v="3"/>
+          <pc:sldLayoutMkLst>
+            <pc:docMk/>
+            <pc:sldMasterMk cId="0" sldId="2147483672"/>
+            <pc:sldLayoutMk cId="0" sldId="2147483673"/>
+          </pc:sldLayoutMkLst>
+        </pc:sldLayoutChg>
+        <pc:sldLayoutChg chg="setBg">
+          <pc:chgData name="pedro alexis elias" userId="7904eee9770f7998" providerId="LiveId" clId="{91C390AE-5DCB-4A72-BD6A-315F2BF90F36}" dt="2018-05-10T09:57:57.970" v="3"/>
+          <pc:sldLayoutMkLst>
+            <pc:docMk/>
+            <pc:sldMasterMk cId="0" sldId="2147483672"/>
+            <pc:sldLayoutMk cId="0" sldId="2147483675"/>
+          </pc:sldLayoutMkLst>
+        </pc:sldLayoutChg>
+        <pc:sldLayoutChg chg="setBg">
+          <pc:chgData name="pedro alexis elias" userId="7904eee9770f7998" providerId="LiveId" clId="{91C390AE-5DCB-4A72-BD6A-315F2BF90F36}" dt="2018-05-10T09:57:57.970" v="3"/>
+          <pc:sldLayoutMkLst>
+            <pc:docMk/>
+            <pc:sldMasterMk cId="0" sldId="2147483672"/>
+            <pc:sldLayoutMk cId="0" sldId="2147483681"/>
+          </pc:sldLayoutMkLst>
+        </pc:sldLayoutChg>
+      </pc:sldMasterChg>
     </pc:docChg>
   </pc:docChgLst>
 </pc:chgInfo>
@@ -4956,6 +5046,80 @@
 </p:sld>
 </file>
 
+<file path=ppt/slides/slide8.xml><?xml version="1.0" encoding="utf-8"?>
+<p:sld xmlns:a="http://schemas.openxmlformats.org/drawingml/2006/main" xmlns:r="http://schemas.openxmlformats.org/officeDocument/2006/relationships" xmlns:p="http://schemas.openxmlformats.org/presentationml/2006/main">
+  <p:cSld>
+    <p:bg>
+      <p:bgPr>
+        <a:solidFill>
+          <a:schemeClr val="tx1"/>
+        </a:solidFill>
+        <a:effectLst/>
+      </p:bgPr>
+    </p:bg>
+    <p:spTree>
+      <p:nvGrpSpPr>
+        <p:cNvPr id="1" name=""/>
+        <p:cNvGrpSpPr/>
+        <p:nvPr/>
+      </p:nvGrpSpPr>
+      <p:grpSpPr>
+        <a:xfrm>
+          <a:off x="0" y="0"/>
+          <a:ext cx="0" cy="0"/>
+          <a:chOff x="0" y="0"/>
+          <a:chExt cx="0" cy="0"/>
+        </a:xfrm>
+      </p:grpSpPr>
+      <p:pic>
+        <p:nvPicPr>
+          <p:cNvPr id="3" name="Imagen 2">
+            <a:extLst>
+              <a:ext uri="{FF2B5EF4-FFF2-40B4-BE49-F238E27FC236}">
+                <a16:creationId xmlns:a16="http://schemas.microsoft.com/office/drawing/2014/main" id="{6FC90F6B-FBA8-41B1-A0E7-DC4719544BF3}"/>
+              </a:ext>
+            </a:extLst>
+          </p:cNvPr>
+          <p:cNvPicPr>
+            <a:picLocks noChangeAspect="1"/>
+          </p:cNvPicPr>
+          <p:nvPr/>
+        </p:nvPicPr>
+        <p:blipFill>
+          <a:blip r:embed="rId2">
+            <a:extLst>
+              <a:ext uri="{28A0092B-C50C-407E-A947-70E740481C1C}">
+                <a14:useLocalDpi xmlns:a14="http://schemas.microsoft.com/office/drawing/2010/main" val="0"/>
+              </a:ext>
+            </a:extLst>
+          </a:blip>
+          <a:stretch>
+            <a:fillRect/>
+          </a:stretch>
+        </p:blipFill>
+        <p:spPr>
+          <a:xfrm>
+            <a:off x="0" y="914400"/>
+            <a:ext cx="9144000" cy="5029200"/>
+          </a:xfrm>
+          <a:prstGeom prst="rect">
+            <a:avLst/>
+          </a:prstGeom>
+        </p:spPr>
+      </p:pic>
+    </p:spTree>
+    <p:extLst>
+      <p:ext uri="{BB962C8B-B14F-4D97-AF65-F5344CB8AC3E}">
+        <p14:creationId xmlns:p14="http://schemas.microsoft.com/office/powerpoint/2010/main" val="260936063"/>
+      </p:ext>
+    </p:extLst>
+  </p:cSld>
+  <p:clrMapOvr>
+    <a:masterClrMapping/>
+  </p:clrMapOvr>
+</p:sld>
+</file>
+
 <file path=ppt/theme/theme1.xml><?xml version="1.0" encoding="utf-8"?>
 <a:theme xmlns:a="http://schemas.openxmlformats.org/drawingml/2006/main" name="Módulo">
   <a:themeElements>
